--- a/Presentation.pptx
+++ b/Presentation.pptx
@@ -7,10 +7,11 @@
   <p:sldIdLst>
     <p:sldId id="256" r:id="rId2"/>
     <p:sldId id="257" r:id="rId3"/>
-    <p:sldId id="258" r:id="rId4"/>
-    <p:sldId id="259" r:id="rId5"/>
-    <p:sldId id="260" r:id="rId6"/>
-    <p:sldId id="261" r:id="rId7"/>
+    <p:sldId id="262" r:id="rId4"/>
+    <p:sldId id="258" r:id="rId5"/>
+    <p:sldId id="259" r:id="rId6"/>
+    <p:sldId id="260" r:id="rId7"/>
+    <p:sldId id="261" r:id="rId8"/>
   </p:sldIdLst>
   <p:sldSz cx="12192000" cy="6858000"/>
   <p:notesSz cx="6858000" cy="9144000"/>
@@ -109,6 +110,11 @@
       </a:defRPr>
     </a:lvl9pPr>
   </p:defaultTextStyle>
+  <p:extLst>
+    <p:ext uri="{EFAFB233-063F-42B5-8137-9DF3F51BA10A}">
+      <p15:sldGuideLst xmlns:p15="http://schemas.microsoft.com/office/powerpoint/2012/main"/>
+    </p:ext>
+  </p:extLst>
 </p:presentation>
 </file>
 
@@ -4299,6 +4305,90 @@
           <p:cNvPr id="2" name="Title 1">
             <a:extLst>
               <a:ext uri="{FF2B5EF4-FFF2-40B4-BE49-F238E27FC236}">
+                <a16:creationId xmlns:a16="http://schemas.microsoft.com/office/drawing/2014/main" id="{A9E6316C-E2F6-7960-F866-1A7DB185529C}"/>
+              </a:ext>
+            </a:extLst>
+          </p:cNvPr>
+          <p:cNvSpPr>
+            <a:spLocks noGrp="1"/>
+          </p:cNvSpPr>
+          <p:nvPr>
+            <p:ph type="title"/>
+          </p:nvPr>
+        </p:nvSpPr>
+        <p:spPr/>
+        <p:txBody>
+          <a:bodyPr/>
+          <a:lstStyle/>
+          <a:p>
+            <a:endParaRPr lang="fr-CA"/>
+          </a:p>
+        </p:txBody>
+      </p:sp>
+      <p:pic>
+        <p:nvPicPr>
+          <p:cNvPr id="6" name="Content Placeholder 5">
+            <a:extLst>
+              <a:ext uri="{FF2B5EF4-FFF2-40B4-BE49-F238E27FC236}">
+                <a16:creationId xmlns:a16="http://schemas.microsoft.com/office/drawing/2014/main" id="{4A8E8698-DAC4-C2EB-CD18-30AA60D2772C}"/>
+              </a:ext>
+            </a:extLst>
+          </p:cNvPr>
+          <p:cNvPicPr>
+            <a:picLocks noGrp="1" noChangeAspect="1"/>
+          </p:cNvPicPr>
+          <p:nvPr>
+            <p:ph idx="1"/>
+          </p:nvPr>
+        </p:nvPicPr>
+        <p:blipFill>
+          <a:blip r:embed="rId2"/>
+          <a:stretch>
+            <a:fillRect/>
+          </a:stretch>
+        </p:blipFill>
+        <p:spPr>
+          <a:xfrm>
+            <a:off x="3591833" y="91670"/>
+            <a:ext cx="5008333" cy="6674659"/>
+          </a:xfrm>
+        </p:spPr>
+      </p:pic>
+    </p:spTree>
+    <p:extLst>
+      <p:ext uri="{BB962C8B-B14F-4D97-AF65-F5344CB8AC3E}">
+        <p14:creationId xmlns:p14="http://schemas.microsoft.com/office/powerpoint/2010/main" val="2320739132"/>
+      </p:ext>
+    </p:extLst>
+  </p:cSld>
+  <p:clrMapOvr>
+    <a:masterClrMapping/>
+  </p:clrMapOvr>
+</p:sld>
+</file>
+
+<file path=ppt/slides/slide4.xml><?xml version="1.0" encoding="utf-8"?>
+<p:sld xmlns:a="http://schemas.openxmlformats.org/drawingml/2006/main" xmlns:r="http://schemas.openxmlformats.org/officeDocument/2006/relationships" xmlns:p="http://schemas.openxmlformats.org/presentationml/2006/main">
+  <p:cSld>
+    <p:spTree>
+      <p:nvGrpSpPr>
+        <p:cNvPr id="1" name=""/>
+        <p:cNvGrpSpPr/>
+        <p:nvPr/>
+      </p:nvGrpSpPr>
+      <p:grpSpPr>
+        <a:xfrm>
+          <a:off x="0" y="0"/>
+          <a:ext cx="0" cy="0"/>
+          <a:chOff x="0" y="0"/>
+          <a:chExt cx="0" cy="0"/>
+        </a:xfrm>
+      </p:grpSpPr>
+      <p:sp>
+        <p:nvSpPr>
+          <p:cNvPr id="2" name="Title 1">
+            <a:extLst>
+              <a:ext uri="{FF2B5EF4-FFF2-40B4-BE49-F238E27FC236}">
                 <a16:creationId xmlns:a16="http://schemas.microsoft.com/office/drawing/2014/main" id="{F2983ED4-1909-3D42-9E74-7063D455D68B}"/>
               </a:ext>
             </a:extLst>
@@ -4364,7 +4454,7 @@
 </p:sld>
 </file>
 
-<file path=ppt/slides/slide4.xml><?xml version="1.0" encoding="utf-8"?>
+<file path=ppt/slides/slide5.xml><?xml version="1.0" encoding="utf-8"?>
 <p:sld xmlns:a="http://schemas.openxmlformats.org/drawingml/2006/main" xmlns:r="http://schemas.openxmlformats.org/officeDocument/2006/relationships" xmlns:p="http://schemas.openxmlformats.org/presentationml/2006/main">
   <p:cSld>
     <p:spTree>
@@ -4474,7 +4564,7 @@
 </p:sld>
 </file>
 
-<file path=ppt/slides/slide5.xml><?xml version="1.0" encoding="utf-8"?>
+<file path=ppt/slides/slide6.xml><?xml version="1.0" encoding="utf-8"?>
 <p:sld xmlns:a="http://schemas.openxmlformats.org/drawingml/2006/main" xmlns:r="http://schemas.openxmlformats.org/officeDocument/2006/relationships" xmlns:p="http://schemas.openxmlformats.org/presentationml/2006/main">
   <p:cSld>
     <p:spTree>
@@ -4558,7 +4648,7 @@
 </p:sld>
 </file>
 
-<file path=ppt/slides/slide6.xml><?xml version="1.0" encoding="utf-8"?>
+<file path=ppt/slides/slide7.xml><?xml version="1.0" encoding="utf-8"?>
 <p:sld xmlns:a="http://schemas.openxmlformats.org/drawingml/2006/main" xmlns:r="http://schemas.openxmlformats.org/officeDocument/2006/relationships" xmlns:p="http://schemas.openxmlformats.org/presentationml/2006/main">
   <p:cSld>
     <p:spTree>
@@ -4597,35 +4687,34 @@
           <a:lstStyle/>
           <a:p>
             <a:r>
-              <a:rPr lang="fr-CA" dirty="0" err="1"/>
-              <a:t>Result</a:t>
-            </a:r>
+              <a:rPr lang="fr-CA" dirty="0"/>
+              <a:t>Résultat</a:t>
+            </a:r>
+          </a:p>
+        </p:txBody>
+      </p:sp>
+      <p:sp>
+        <p:nvSpPr>
+          <p:cNvPr id="3" name="Content Placeholder 2">
+            <a:extLst>
+              <a:ext uri="{FF2B5EF4-FFF2-40B4-BE49-F238E27FC236}">
+                <a16:creationId xmlns:a16="http://schemas.microsoft.com/office/drawing/2014/main" id="{5ED0B2D0-C14B-C7FB-4A91-A67DFE58A4D2}"/>
+              </a:ext>
+            </a:extLst>
+          </p:cNvPr>
+          <p:cNvSpPr>
+            <a:spLocks noGrp="1"/>
+          </p:cNvSpPr>
+          <p:nvPr>
+            <p:ph idx="1"/>
+          </p:nvPr>
+        </p:nvSpPr>
+        <p:spPr/>
+        <p:txBody>
+          <a:bodyPr/>
+          <a:lstStyle/>
+          <a:p>
             <a:endParaRPr lang="fr-CA" dirty="0"/>
-          </a:p>
-        </p:txBody>
-      </p:sp>
-      <p:sp>
-        <p:nvSpPr>
-          <p:cNvPr id="3" name="Content Placeholder 2">
-            <a:extLst>
-              <a:ext uri="{FF2B5EF4-FFF2-40B4-BE49-F238E27FC236}">
-                <a16:creationId xmlns:a16="http://schemas.microsoft.com/office/drawing/2014/main" id="{5ED0B2D0-C14B-C7FB-4A91-A67DFE58A4D2}"/>
-              </a:ext>
-            </a:extLst>
-          </p:cNvPr>
-          <p:cNvSpPr>
-            <a:spLocks noGrp="1"/>
-          </p:cNvSpPr>
-          <p:nvPr>
-            <p:ph idx="1"/>
-          </p:nvPr>
-        </p:nvSpPr>
-        <p:spPr/>
-        <p:txBody>
-          <a:bodyPr/>
-          <a:lstStyle/>
-          <a:p>
-            <a:endParaRPr lang="fr-CA"/>
           </a:p>
         </p:txBody>
       </p:sp>
